--- a/brWheel_my/Firmware-v18x pinout.pptx
+++ b/brWheel_my/Firmware-v18x pinout.pptx
@@ -3333,7 +3333,7 @@
         <p:spPr>
           <a:xfrm>
             <a:off x="3318544" y="4504974"/>
-            <a:ext cx="3725700" cy="2308324"/>
+            <a:ext cx="3552704" cy="2308324"/>
           </a:xfrm>
           <a:prstGeom prst="rect">
             <a:avLst/>
@@ -3348,11 +3348,7 @@
           <a:p>
             <a:r>
               <a:rPr lang="en-US" dirty="0" smtClean="0"/>
-              <a:t>Replacement </a:t>
-            </a:r>
-            <a:r>
-              <a:rPr lang="en-US" dirty="0" smtClean="0"/>
-              <a:t>pinouts for </a:t>
+              <a:t>Replacement pinouts for </a:t>
             </a:r>
             <a:r>
               <a:rPr lang="en-US" dirty="0" err="1" smtClean="0"/>
@@ -3362,12 +3358,11 @@
               <a:rPr lang="en-US" dirty="0" smtClean="0"/>
               <a:t>:</a:t>
             </a:r>
+          </a:p>
+          <a:p>
             <a:endParaRPr lang="en-US" dirty="0" smtClean="0"/>
           </a:p>
           <a:p>
-            <a:endParaRPr lang="en-US" dirty="0" smtClean="0"/>
-          </a:p>
-          <a:p>
             <a:r>
               <a:rPr lang="en-US" dirty="0" smtClean="0"/>
               <a:t>16 - PWM direction pin</a:t>
@@ -3380,17 +3375,21 @@
             </a:r>
             <a:r>
               <a:rPr lang="en-US" dirty="0"/>
-              <a:t>FFB clipping </a:t>
-            </a:r>
-            <a:r>
-              <a:rPr lang="en-US" dirty="0" smtClean="0"/>
-              <a:t>LED (if no ADS1105)</a:t>
-            </a:r>
-          </a:p>
-          <a:p>
-            <a:r>
-              <a:rPr lang="en-US" dirty="0" smtClean="0"/>
-              <a:t>14 - button1 </a:t>
+              <a:t>FFB </a:t>
+            </a:r>
+            <a:r>
+              <a:rPr lang="en-US" dirty="0" smtClean="0"/>
+              <a:t>clipping LED</a:t>
+            </a:r>
+          </a:p>
+          <a:p>
+            <a:r>
+              <a:rPr lang="en-US" dirty="0" smtClean="0"/>
+              <a:t>14 </a:t>
+            </a:r>
+            <a:r>
+              <a:rPr lang="en-US" dirty="0" smtClean="0"/>
+              <a:t>- button1 </a:t>
             </a:r>
             <a:r>
               <a:rPr lang="en-US" dirty="0"/>
@@ -3398,33 +3397,40 @@
             </a:r>
             <a:r>
               <a:rPr lang="en-US" dirty="0" smtClean="0"/>
-              <a:t>fw-v180)</a:t>
-            </a:r>
-          </a:p>
-          <a:p>
-            <a:r>
-              <a:rPr lang="en-US" dirty="0" smtClean="0"/>
-              <a:t>15 - button2 (fw-v180)</a:t>
-            </a:r>
-          </a:p>
-          <a:p>
-            <a:r>
-              <a:rPr lang="en-US" dirty="0" smtClean="0"/>
-              <a:t>  2 - button3 (</a:t>
-            </a:r>
-            <a:r>
-              <a:rPr lang="en-US" dirty="0"/>
-              <a:t>if no </a:t>
-            </a:r>
-            <a:r>
-              <a:rPr lang="en-US" dirty="0" smtClean="0"/>
-              <a:t>ADS1105, fw-v180)</a:t>
-            </a:r>
-          </a:p>
-          <a:p>
-            <a:r>
-              <a:rPr lang="en-US" dirty="0" smtClean="0"/>
-              <a:t>       or Z-index encoder (fw-v180z)</a:t>
+              <a:t>fw-v180m)</a:t>
+            </a:r>
+            <a:endParaRPr lang="en-US" dirty="0" smtClean="0"/>
+          </a:p>
+          <a:p>
+            <a:r>
+              <a:rPr lang="en-US" dirty="0" smtClean="0"/>
+              <a:t>15 - button2 (</a:t>
+            </a:r>
+            <a:r>
+              <a:rPr lang="en-US" dirty="0" smtClean="0"/>
+              <a:t>fw-v180m)</a:t>
+            </a:r>
+            <a:endParaRPr lang="en-US" dirty="0" smtClean="0"/>
+          </a:p>
+          <a:p>
+            <a:r>
+              <a:rPr lang="en-US" dirty="0" smtClean="0"/>
+              <a:t>  2 - button3 </a:t>
+            </a:r>
+            <a:r>
+              <a:rPr lang="en-US" dirty="0" smtClean="0"/>
+              <a:t>(fw-v180m)</a:t>
+            </a:r>
+            <a:endParaRPr lang="en-US" dirty="0" smtClean="0"/>
+          </a:p>
+          <a:p>
+            <a:r>
+              <a:rPr lang="en-US" dirty="0" smtClean="0"/>
+              <a:t>       or Z-index encoder (</a:t>
+            </a:r>
+            <a:r>
+              <a:rPr lang="en-US" dirty="0" smtClean="0"/>
+              <a:t>fw-v180zm)</a:t>
             </a:r>
             <a:endParaRPr lang="en-US" dirty="0"/>
           </a:p>

--- a/brWheel_my/Firmware-v18x pinout.pptx
+++ b/brWheel_my/Firmware-v18x pinout.pptx
@@ -243,7 +243,7 @@
           <a:p>
             <a:fld id="{A398FB1A-F8C3-427F-BE44-B87966AC4D7F}" type="datetimeFigureOut">
               <a:rPr lang="en-US" smtClean="0"/>
-              <a:t>05-Apr-22</a:t>
+              <a:t>19-Apr-22</a:t>
             </a:fld>
             <a:endParaRPr lang="en-US"/>
           </a:p>
@@ -413,7 +413,7 @@
           <a:p>
             <a:fld id="{A398FB1A-F8C3-427F-BE44-B87966AC4D7F}" type="datetimeFigureOut">
               <a:rPr lang="en-US" smtClean="0"/>
-              <a:t>05-Apr-22</a:t>
+              <a:t>19-Apr-22</a:t>
             </a:fld>
             <a:endParaRPr lang="en-US"/>
           </a:p>
@@ -593,7 +593,7 @@
           <a:p>
             <a:fld id="{A398FB1A-F8C3-427F-BE44-B87966AC4D7F}" type="datetimeFigureOut">
               <a:rPr lang="en-US" smtClean="0"/>
-              <a:t>05-Apr-22</a:t>
+              <a:t>19-Apr-22</a:t>
             </a:fld>
             <a:endParaRPr lang="en-US"/>
           </a:p>
@@ -763,7 +763,7 @@
           <a:p>
             <a:fld id="{A398FB1A-F8C3-427F-BE44-B87966AC4D7F}" type="datetimeFigureOut">
               <a:rPr lang="en-US" smtClean="0"/>
-              <a:t>05-Apr-22</a:t>
+              <a:t>19-Apr-22</a:t>
             </a:fld>
             <a:endParaRPr lang="en-US"/>
           </a:p>
@@ -1009,7 +1009,7 @@
           <a:p>
             <a:fld id="{A398FB1A-F8C3-427F-BE44-B87966AC4D7F}" type="datetimeFigureOut">
               <a:rPr lang="en-US" smtClean="0"/>
-              <a:t>05-Apr-22</a:t>
+              <a:t>19-Apr-22</a:t>
             </a:fld>
             <a:endParaRPr lang="en-US"/>
           </a:p>
@@ -1241,7 +1241,7 @@
           <a:p>
             <a:fld id="{A398FB1A-F8C3-427F-BE44-B87966AC4D7F}" type="datetimeFigureOut">
               <a:rPr lang="en-US" smtClean="0"/>
-              <a:t>05-Apr-22</a:t>
+              <a:t>19-Apr-22</a:t>
             </a:fld>
             <a:endParaRPr lang="en-US"/>
           </a:p>
@@ -1608,7 +1608,7 @@
           <a:p>
             <a:fld id="{A398FB1A-F8C3-427F-BE44-B87966AC4D7F}" type="datetimeFigureOut">
               <a:rPr lang="en-US" smtClean="0"/>
-              <a:t>05-Apr-22</a:t>
+              <a:t>19-Apr-22</a:t>
             </a:fld>
             <a:endParaRPr lang="en-US"/>
           </a:p>
@@ -1726,7 +1726,7 @@
           <a:p>
             <a:fld id="{A398FB1A-F8C3-427F-BE44-B87966AC4D7F}" type="datetimeFigureOut">
               <a:rPr lang="en-US" smtClean="0"/>
-              <a:t>05-Apr-22</a:t>
+              <a:t>19-Apr-22</a:t>
             </a:fld>
             <a:endParaRPr lang="en-US"/>
           </a:p>
@@ -1821,7 +1821,7 @@
           <a:p>
             <a:fld id="{A398FB1A-F8C3-427F-BE44-B87966AC4D7F}" type="datetimeFigureOut">
               <a:rPr lang="en-US" smtClean="0"/>
-              <a:t>05-Apr-22</a:t>
+              <a:t>19-Apr-22</a:t>
             </a:fld>
             <a:endParaRPr lang="en-US"/>
           </a:p>
@@ -2098,7 +2098,7 @@
           <a:p>
             <a:fld id="{A398FB1A-F8C3-427F-BE44-B87966AC4D7F}" type="datetimeFigureOut">
               <a:rPr lang="en-US" smtClean="0"/>
-              <a:t>05-Apr-22</a:t>
+              <a:t>19-Apr-22</a:t>
             </a:fld>
             <a:endParaRPr lang="en-US"/>
           </a:p>
@@ -2351,7 +2351,7 @@
           <a:p>
             <a:fld id="{A398FB1A-F8C3-427F-BE44-B87966AC4D7F}" type="datetimeFigureOut">
               <a:rPr lang="en-US" smtClean="0"/>
-              <a:t>05-Apr-22</a:t>
+              <a:t>19-Apr-22</a:t>
             </a:fld>
             <a:endParaRPr lang="en-US"/>
           </a:p>
@@ -2564,7 +2564,7 @@
           <a:p>
             <a:fld id="{A398FB1A-F8C3-427F-BE44-B87966AC4D7F}" type="datetimeFigureOut">
               <a:rPr lang="en-US" smtClean="0"/>
-              <a:t>05-Apr-22</a:t>
+              <a:t>19-Apr-22</a:t>
             </a:fld>
             <a:endParaRPr lang="en-US"/>
           </a:p>
@@ -3007,7 +3007,7 @@
         <p:spPr>
           <a:xfrm>
             <a:off x="7064346" y="129474"/>
-            <a:ext cx="5235087" cy="7017306"/>
+            <a:ext cx="5010602" cy="6740307"/>
           </a:xfrm>
           <a:prstGeom prst="rect">
             <a:avLst/>
@@ -3061,7 +3061,15 @@
             </a:r>
             <a:r>
               <a:rPr lang="en-US" dirty="0"/>
-              <a:t>(if LC - then clutch pot</a:t>
+              <a:t>(if </a:t>
+            </a:r>
+            <a:r>
+              <a:rPr lang="en-US" dirty="0" smtClean="0"/>
+              <a:t>LC* </a:t>
+            </a:r>
+            <a:r>
+              <a:rPr lang="en-US" dirty="0"/>
+              <a:t>- then clutch pot</a:t>
             </a:r>
             <a:r>
               <a:rPr lang="en-US" dirty="0" smtClean="0"/>
@@ -3075,7 +3083,15 @@
             </a:r>
             <a:r>
               <a:rPr lang="en-US" dirty="0"/>
-              <a:t>pot (if LC - then </a:t>
+              <a:t>pot (if </a:t>
+            </a:r>
+            <a:r>
+              <a:rPr lang="en-US" dirty="0" smtClean="0"/>
+              <a:t>LC* </a:t>
+            </a:r>
+            <a:r>
+              <a:rPr lang="en-US" dirty="0"/>
+              <a:t>- then </a:t>
             </a:r>
             <a:r>
               <a:rPr lang="en-US" dirty="0" smtClean="0"/>
@@ -3093,13 +3109,13 @@
           <a:p>
             <a:r>
               <a:rPr lang="en-US" dirty="0" smtClean="0"/>
-              <a:t>A3 - handbrake pot (if LC - then button0)</a:t>
-            </a:r>
-          </a:p>
-          <a:p>
-            <a:r>
-              <a:rPr lang="en-US" dirty="0" smtClean="0"/>
-              <a:t>A4, A5 - buttons 1,2 (fw-v180)</a:t>
+              <a:t>A3 - handbrake pot (if LC* - then button0)</a:t>
+            </a:r>
+          </a:p>
+          <a:p>
+            <a:r>
+              <a:rPr lang="en-US" dirty="0" smtClean="0"/>
+              <a:t>A4, A5 - buttons 1,2 (fw-v180 only)</a:t>
             </a:r>
           </a:p>
           <a:p>
@@ -3125,25 +3141,41 @@
             </a:r>
             <a:r>
               <a:rPr lang="en-US" dirty="0" smtClean="0"/>
-              <a:t>encoder or SDA, data for i2C (ADS1105)</a:t>
-            </a:r>
-          </a:p>
-          <a:p>
-            <a:r>
-              <a:rPr lang="en-US" dirty="0" smtClean="0"/>
-              <a:t>3 - SCL, clock for i2C (ADS1105)</a:t>
-            </a:r>
-          </a:p>
-          <a:p>
-            <a:r>
-              <a:rPr lang="en-US" dirty="0" smtClean="0"/>
-              <a:t>4 - DT pin for HX711 (LC)</a:t>
-            </a:r>
-          </a:p>
-          <a:p>
-            <a:r>
-              <a:rPr lang="en-US" dirty="0" smtClean="0"/>
-              <a:t>5 - CLK pin for HX711 (LC)</a:t>
+              <a:t>encoder or SDA (data) for i2C ads1105</a:t>
+            </a:r>
+          </a:p>
+          <a:p>
+            <a:r>
+              <a:rPr lang="en-US" dirty="0" smtClean="0"/>
+              <a:t>3 - SCL (clock) for i2C </a:t>
+            </a:r>
+            <a:r>
+              <a:rPr lang="en-US" dirty="0"/>
+              <a:t>ads1105 (</a:t>
+            </a:r>
+            <a:r>
+              <a:rPr lang="en-US" dirty="0" smtClean="0"/>
+              <a:t>fw-v18xs)</a:t>
+            </a:r>
+          </a:p>
+          <a:p>
+            <a:r>
+              <a:rPr lang="en-US" dirty="0" smtClean="0"/>
+              <a:t>4 - DT pin for HX711 (fw-v182 only)</a:t>
+            </a:r>
+          </a:p>
+          <a:p>
+            <a:r>
+              <a:rPr lang="en-US" dirty="0" smtClean="0"/>
+              <a:t>5 - CLK pin for HX711 </a:t>
+            </a:r>
+            <a:r>
+              <a:rPr lang="en-US" dirty="0"/>
+              <a:t>(</a:t>
+            </a:r>
+            <a:r>
+              <a:rPr lang="en-US" dirty="0" smtClean="0"/>
+              <a:t>fw-v182 only)</a:t>
             </a:r>
           </a:p>
           <a:p>
@@ -3153,42 +3185,77 @@
             </a:r>
             <a:r>
               <a:rPr lang="en-US" dirty="0" err="1" smtClean="0"/>
-              <a:t>DT_sw</a:t>
-            </a:r>
-            <a:r>
-              <a:rPr lang="en-US" dirty="0" smtClean="0"/>
-              <a:t> for shift register (if not then button4)</a:t>
-            </a:r>
-          </a:p>
-          <a:p>
-            <a:r>
-              <a:rPr lang="en-US" dirty="0" smtClean="0"/>
-              <a:t>7 - CLK for shift register </a:t>
+              <a:t>DT_sh</a:t>
+            </a:r>
+            <a:r>
+              <a:rPr lang="en-US" dirty="0" smtClean="0"/>
+              <a:t> (fw-v181, or </a:t>
             </a:r>
             <a:r>
               <a:rPr lang="en-US" dirty="0"/>
-              <a:t>(if not then </a:t>
-            </a:r>
-            <a:r>
-              <a:rPr lang="en-US" dirty="0" smtClean="0"/>
-              <a:t>button5)</a:t>
-            </a:r>
-            <a:endParaRPr lang="en-US" dirty="0"/>
-          </a:p>
-          <a:p>
-            <a:r>
-              <a:rPr lang="en-US" dirty="0" smtClean="0"/>
-              <a:t>8 - PL for shift register </a:t>
+              <a:t>button4 </a:t>
+            </a:r>
+            <a:r>
+              <a:rPr lang="en-US" dirty="0" smtClean="0"/>
+              <a:t>in fw-v180</a:t>
             </a:r>
             <a:r>
               <a:rPr lang="en-US" dirty="0"/>
-              <a:t>(if not then </a:t>
-            </a:r>
-            <a:r>
-              <a:rPr lang="en-US" dirty="0" smtClean="0"/>
-              <a:t>button6)</a:t>
-            </a:r>
-            <a:endParaRPr lang="en-US" dirty="0"/>
+              <a:t>)</a:t>
+            </a:r>
+            <a:endParaRPr lang="en-US" dirty="0" smtClean="0"/>
+          </a:p>
+          <a:p>
+            <a:r>
+              <a:rPr lang="en-US" dirty="0" smtClean="0"/>
+              <a:t>7 - </a:t>
+            </a:r>
+            <a:r>
+              <a:rPr lang="en-US" dirty="0" err="1" smtClean="0"/>
+              <a:t>CLK_sh</a:t>
+            </a:r>
+            <a:r>
+              <a:rPr lang="en-US" dirty="0"/>
+              <a:t> (fw-v181, or </a:t>
+            </a:r>
+            <a:r>
+              <a:rPr lang="en-US" dirty="0" smtClean="0"/>
+              <a:t>button5 </a:t>
+            </a:r>
+            <a:r>
+              <a:rPr lang="en-US" dirty="0" smtClean="0"/>
+              <a:t>in fw-v180</a:t>
+            </a:r>
+            <a:r>
+              <a:rPr lang="en-US" dirty="0"/>
+              <a:t>)</a:t>
+            </a:r>
+          </a:p>
+          <a:p>
+            <a:r>
+              <a:rPr lang="en-US" dirty="0" smtClean="0"/>
+              <a:t>8 - </a:t>
+            </a:r>
+            <a:r>
+              <a:rPr lang="en-US" dirty="0" err="1" smtClean="0"/>
+              <a:t>PL_sh</a:t>
+            </a:r>
+            <a:r>
+              <a:rPr lang="en-US" dirty="0"/>
+              <a:t> (fw-v181, or </a:t>
+            </a:r>
+            <a:r>
+              <a:rPr lang="en-US" dirty="0" smtClean="0"/>
+              <a:t>button6 </a:t>
+            </a:r>
+            <a:r>
+              <a:rPr lang="en-US" dirty="0" smtClean="0"/>
+              <a:t>in fw-v180</a:t>
+            </a:r>
+            <a:r>
+              <a:rPr lang="en-US" dirty="0"/>
+              <a:t>)</a:t>
+            </a:r>
           </a:p>
           <a:p>
             <a:r>
@@ -3218,12 +3285,6 @@
             <a:r>
               <a:rPr lang="en-US" dirty="0" smtClean="0"/>
               <a:t>13 - FFB clipping LED</a:t>
-            </a:r>
-          </a:p>
-          <a:p>
-            <a:r>
-              <a:rPr lang="en-US" dirty="0" smtClean="0"/>
-              <a:t>LC - load cell with HX711</a:t>
             </a:r>
           </a:p>
           <a:p>
@@ -3385,11 +3446,7 @@
           <a:p>
             <a:r>
               <a:rPr lang="en-US" dirty="0" smtClean="0"/>
-              <a:t>14 </a:t>
-            </a:r>
-            <a:r>
-              <a:rPr lang="en-US" dirty="0" smtClean="0"/>
-              <a:t>- button1 </a:t>
+              <a:t>14 - button1 </a:t>
             </a:r>
             <a:r>
               <a:rPr lang="en-US" dirty="0"/>
@@ -3399,38 +3456,23 @@
               <a:rPr lang="en-US" dirty="0" smtClean="0"/>
               <a:t>fw-v180m)</a:t>
             </a:r>
-            <a:endParaRPr lang="en-US" dirty="0" smtClean="0"/>
-          </a:p>
-          <a:p>
-            <a:r>
-              <a:rPr lang="en-US" dirty="0" smtClean="0"/>
-              <a:t>15 - button2 (</a:t>
-            </a:r>
-            <a:r>
-              <a:rPr lang="en-US" dirty="0" smtClean="0"/>
-              <a:t>fw-v180m)</a:t>
-            </a:r>
-            <a:endParaRPr lang="en-US" dirty="0" smtClean="0"/>
-          </a:p>
-          <a:p>
-            <a:r>
-              <a:rPr lang="en-US" dirty="0" smtClean="0"/>
-              <a:t>  2 - button3 </a:t>
-            </a:r>
-            <a:r>
-              <a:rPr lang="en-US" dirty="0" smtClean="0"/>
-              <a:t>(fw-v180m)</a:t>
-            </a:r>
-            <a:endParaRPr lang="en-US" dirty="0" smtClean="0"/>
-          </a:p>
-          <a:p>
-            <a:r>
-              <a:rPr lang="en-US" dirty="0" smtClean="0"/>
-              <a:t>       or Z-index encoder (</a:t>
-            </a:r>
-            <a:r>
-              <a:rPr lang="en-US" dirty="0" smtClean="0"/>
-              <a:t>fw-v180zm)</a:t>
+          </a:p>
+          <a:p>
+            <a:r>
+              <a:rPr lang="en-US" dirty="0" smtClean="0"/>
+              <a:t>15 - button2 (fw-v180m)</a:t>
+            </a:r>
+          </a:p>
+          <a:p>
+            <a:r>
+              <a:rPr lang="en-US" dirty="0" smtClean="0"/>
+              <a:t>  2 - button3 (fw-v180m)</a:t>
+            </a:r>
+          </a:p>
+          <a:p>
+            <a:r>
+              <a:rPr lang="en-US" dirty="0" smtClean="0"/>
+              <a:t>       or Z-index encoder (fw-v180zm)</a:t>
             </a:r>
             <a:endParaRPr lang="en-US" dirty="0"/>
           </a:p>
@@ -3444,8 +3486,8 @@
         </p:nvSpPr>
         <p:spPr>
           <a:xfrm>
-            <a:off x="9950040" y="5356927"/>
-            <a:ext cx="2201500" cy="1477328"/>
+            <a:off x="9731556" y="5356927"/>
+            <a:ext cx="2305696" cy="1477328"/>
           </a:xfrm>
           <a:prstGeom prst="rect">
             <a:avLst/>
@@ -3460,8 +3502,13 @@
           <a:p>
             <a:r>
               <a:rPr lang="en-US" dirty="0" smtClean="0"/>
-              <a:t>Hat Switch (fw-v18x):</a:t>
-            </a:r>
+              <a:t>Hat Switch </a:t>
+            </a:r>
+            <a:r>
+              <a:rPr lang="en-US" smtClean="0"/>
+              <a:t>(fw-v18xh):</a:t>
+            </a:r>
+            <a:endParaRPr lang="en-US" dirty="0" smtClean="0"/>
           </a:p>
           <a:p>
             <a:r>
@@ -3497,7 +3544,7 @@
         </p:nvSpPr>
         <p:spPr>
           <a:xfrm>
-            <a:off x="10043723" y="2372347"/>
+            <a:off x="10472601" y="2380439"/>
             <a:ext cx="1575239" cy="523220"/>
           </a:xfrm>
           <a:prstGeom prst="rect">
@@ -3512,16 +3559,118 @@
           <a:lstStyle/>
           <a:p>
             <a:r>
-              <a:rPr lang="en-US" sz="1400" dirty="0" smtClean="0"/>
+              <a:rPr lang="en-US" sz="1400" i="1" dirty="0" smtClean="0"/>
               <a:t>To activate buttons</a:t>
             </a:r>
           </a:p>
           <a:p>
             <a:r>
-              <a:rPr lang="en-US" sz="1400" dirty="0" smtClean="0"/>
+              <a:rPr lang="en-US" sz="1400" i="1" dirty="0" smtClean="0"/>
               <a:t>short them to gnd.</a:t>
             </a:r>
-            <a:endParaRPr lang="en-US" sz="1400" dirty="0"/>
+            <a:endParaRPr lang="en-US" sz="1400" i="1" dirty="0"/>
+          </a:p>
+        </p:txBody>
+      </p:sp>
+      <p:sp>
+        <p:nvSpPr>
+          <p:cNvPr id="10" name="TextBox 9"/>
+          <p:cNvSpPr txBox="1"/>
+          <p:nvPr/>
+        </p:nvSpPr>
+        <p:spPr>
+          <a:xfrm>
+            <a:off x="9800962" y="401421"/>
+            <a:ext cx="973343" cy="307777"/>
+          </a:xfrm>
+          <a:prstGeom prst="rect">
+            <a:avLst/>
+          </a:prstGeom>
+          <a:noFill/>
+        </p:spPr>
+        <p:txBody>
+          <a:bodyPr wrap="none" rtlCol="0">
+            <a:spAutoFit/>
+          </a:bodyPr>
+          <a:lstStyle/>
+          <a:p>
+            <a:r>
+              <a:rPr lang="en-US" sz="1400" i="1" dirty="0" smtClean="0"/>
+              <a:t>x=0, 1, 2, 3</a:t>
+            </a:r>
+            <a:endParaRPr lang="en-US" sz="1400" i="1" dirty="0"/>
+          </a:p>
+        </p:txBody>
+      </p:sp>
+      <p:sp>
+        <p:nvSpPr>
+          <p:cNvPr id="11" name="TextBox 10"/>
+          <p:cNvSpPr txBox="1"/>
+          <p:nvPr/>
+        </p:nvSpPr>
+        <p:spPr>
+          <a:xfrm>
+            <a:off x="9665981" y="5097702"/>
+            <a:ext cx="2465611" cy="307777"/>
+          </a:xfrm>
+          <a:prstGeom prst="rect">
+            <a:avLst/>
+          </a:prstGeom>
+          <a:noFill/>
+        </p:spPr>
+        <p:txBody>
+          <a:bodyPr wrap="none" rtlCol="0">
+            <a:spAutoFit/>
+          </a:bodyPr>
+          <a:lstStyle/>
+          <a:p>
+            <a:r>
+              <a:rPr lang="en-US" sz="1400" i="1" dirty="0" err="1" smtClean="0"/>
+              <a:t>sh</a:t>
+            </a:r>
+            <a:r>
+              <a:rPr lang="en-US" sz="1400" i="1" dirty="0" smtClean="0"/>
+              <a:t> - shift register for button box</a:t>
+            </a:r>
+            <a:endParaRPr lang="en-US" sz="1400" i="1" dirty="0"/>
+          </a:p>
+        </p:txBody>
+      </p:sp>
+      <p:sp>
+        <p:nvSpPr>
+          <p:cNvPr id="12" name="TextBox 11"/>
+          <p:cNvSpPr txBox="1"/>
+          <p:nvPr/>
+        </p:nvSpPr>
+        <p:spPr>
+          <a:xfrm>
+            <a:off x="9368215" y="1277789"/>
+            <a:ext cx="2812180" cy="307777"/>
+          </a:xfrm>
+          <a:prstGeom prst="rect">
+            <a:avLst/>
+          </a:prstGeom>
+          <a:noFill/>
+        </p:spPr>
+        <p:txBody>
+          <a:bodyPr wrap="none" rtlCol="0">
+            <a:spAutoFit/>
+          </a:bodyPr>
+          <a:lstStyle/>
+          <a:p>
+            <a:r>
+              <a:rPr lang="en-US" sz="1400" i="1" dirty="0" smtClean="0"/>
+              <a:t>*LC - load cell </a:t>
+            </a:r>
+            <a:r>
+              <a:rPr lang="en-US" sz="1400" i="1" dirty="0"/>
+              <a:t>with HX711 (fw-v182</a:t>
+            </a:r>
+            <a:r>
+              <a:rPr lang="en-US" sz="1400" i="1" dirty="0" smtClean="0"/>
+              <a:t>)</a:t>
+            </a:r>
+            <a:endParaRPr lang="en-US" sz="1400" i="1" dirty="0"/>
           </a:p>
         </p:txBody>
       </p:sp>

--- a/brWheel_my/Firmware-v18x pinout.pptx
+++ b/brWheel_my/Firmware-v18x pinout.pptx
@@ -154,10 +154,9 @@
           </a:lstStyle>
           <a:p>
             <a:r>
-              <a:rPr lang="en-US" smtClean="0"/>
+              <a:rPr lang="en-US"/>
               <a:t>Click to edit Master title style</a:t>
             </a:r>
-            <a:endParaRPr lang="en-US"/>
           </a:p>
         </p:txBody>
       </p:sp>
@@ -219,10 +218,9 @@
           </a:lstStyle>
           <a:p>
             <a:r>
-              <a:rPr lang="en-US" smtClean="0"/>
+              <a:rPr lang="en-US"/>
               <a:t>Click to edit Master subtitle style</a:t>
             </a:r>
-            <a:endParaRPr lang="en-US"/>
           </a:p>
         </p:txBody>
       </p:sp>
@@ -243,7 +241,7 @@
           <a:p>
             <a:fld id="{A398FB1A-F8C3-427F-BE44-B87966AC4D7F}" type="datetimeFigureOut">
               <a:rPr lang="en-US" smtClean="0"/>
-              <a:t>19-Apr-22</a:t>
+              <a:t>20-Apr-22</a:t>
             </a:fld>
             <a:endParaRPr lang="en-US"/>
           </a:p>
@@ -337,10 +335,9 @@
           <a:lstStyle/>
           <a:p>
             <a:r>
-              <a:rPr lang="en-US" smtClean="0"/>
+              <a:rPr lang="en-US"/>
               <a:t>Click to edit Master title style</a:t>
             </a:r>
-            <a:endParaRPr lang="en-US"/>
           </a:p>
         </p:txBody>
       </p:sp>
@@ -361,38 +358,37 @@
           <a:p>
             <a:pPr lvl="0"/>
             <a:r>
-              <a:rPr lang="en-US" smtClean="0"/>
+              <a:rPr lang="en-US"/>
               <a:t>Click to edit Master text styles</a:t>
             </a:r>
           </a:p>
           <a:p>
             <a:pPr lvl="1"/>
             <a:r>
-              <a:rPr lang="en-US" smtClean="0"/>
+              <a:rPr lang="en-US"/>
               <a:t>Second level</a:t>
             </a:r>
           </a:p>
           <a:p>
             <a:pPr lvl="2"/>
             <a:r>
-              <a:rPr lang="en-US" smtClean="0"/>
+              <a:rPr lang="en-US"/>
               <a:t>Third level</a:t>
             </a:r>
           </a:p>
           <a:p>
             <a:pPr lvl="3"/>
             <a:r>
-              <a:rPr lang="en-US" smtClean="0"/>
+              <a:rPr lang="en-US"/>
               <a:t>Fourth level</a:t>
             </a:r>
           </a:p>
           <a:p>
             <a:pPr lvl="4"/>
             <a:r>
-              <a:rPr lang="en-US" smtClean="0"/>
+              <a:rPr lang="en-US"/>
               <a:t>Fifth level</a:t>
             </a:r>
-            <a:endParaRPr lang="en-US"/>
           </a:p>
         </p:txBody>
       </p:sp>
@@ -413,7 +409,7 @@
           <a:p>
             <a:fld id="{A398FB1A-F8C3-427F-BE44-B87966AC4D7F}" type="datetimeFigureOut">
               <a:rPr lang="en-US" smtClean="0"/>
-              <a:t>19-Apr-22</a:t>
+              <a:t>20-Apr-22</a:t>
             </a:fld>
             <a:endParaRPr lang="en-US"/>
           </a:p>
@@ -512,10 +508,9 @@
           <a:lstStyle/>
           <a:p>
             <a:r>
-              <a:rPr lang="en-US" smtClean="0"/>
+              <a:rPr lang="en-US"/>
               <a:t>Click to edit Master title style</a:t>
             </a:r>
-            <a:endParaRPr lang="en-US"/>
           </a:p>
         </p:txBody>
       </p:sp>
@@ -541,38 +536,37 @@
           <a:p>
             <a:pPr lvl="0"/>
             <a:r>
-              <a:rPr lang="en-US" smtClean="0"/>
+              <a:rPr lang="en-US"/>
               <a:t>Click to edit Master text styles</a:t>
             </a:r>
           </a:p>
           <a:p>
             <a:pPr lvl="1"/>
             <a:r>
-              <a:rPr lang="en-US" smtClean="0"/>
+              <a:rPr lang="en-US"/>
               <a:t>Second level</a:t>
             </a:r>
           </a:p>
           <a:p>
             <a:pPr lvl="2"/>
             <a:r>
-              <a:rPr lang="en-US" smtClean="0"/>
+              <a:rPr lang="en-US"/>
               <a:t>Third level</a:t>
             </a:r>
           </a:p>
           <a:p>
             <a:pPr lvl="3"/>
             <a:r>
-              <a:rPr lang="en-US" smtClean="0"/>
+              <a:rPr lang="en-US"/>
               <a:t>Fourth level</a:t>
             </a:r>
           </a:p>
           <a:p>
             <a:pPr lvl="4"/>
             <a:r>
-              <a:rPr lang="en-US" smtClean="0"/>
+              <a:rPr lang="en-US"/>
               <a:t>Fifth level</a:t>
             </a:r>
-            <a:endParaRPr lang="en-US"/>
           </a:p>
         </p:txBody>
       </p:sp>
@@ -593,7 +587,7 @@
           <a:p>
             <a:fld id="{A398FB1A-F8C3-427F-BE44-B87966AC4D7F}" type="datetimeFigureOut">
               <a:rPr lang="en-US" smtClean="0"/>
-              <a:t>19-Apr-22</a:t>
+              <a:t>20-Apr-22</a:t>
             </a:fld>
             <a:endParaRPr lang="en-US"/>
           </a:p>
@@ -687,10 +681,9 @@
           <a:lstStyle/>
           <a:p>
             <a:r>
-              <a:rPr lang="en-US" smtClean="0"/>
+              <a:rPr lang="en-US"/>
               <a:t>Click to edit Master title style</a:t>
             </a:r>
-            <a:endParaRPr lang="en-US"/>
           </a:p>
         </p:txBody>
       </p:sp>
@@ -711,38 +704,37 @@
           <a:p>
             <a:pPr lvl="0"/>
             <a:r>
-              <a:rPr lang="en-US" smtClean="0"/>
+              <a:rPr lang="en-US"/>
               <a:t>Click to edit Master text styles</a:t>
             </a:r>
           </a:p>
           <a:p>
             <a:pPr lvl="1"/>
             <a:r>
-              <a:rPr lang="en-US" smtClean="0"/>
+              <a:rPr lang="en-US"/>
               <a:t>Second level</a:t>
             </a:r>
           </a:p>
           <a:p>
             <a:pPr lvl="2"/>
             <a:r>
-              <a:rPr lang="en-US" smtClean="0"/>
+              <a:rPr lang="en-US"/>
               <a:t>Third level</a:t>
             </a:r>
           </a:p>
           <a:p>
             <a:pPr lvl="3"/>
             <a:r>
-              <a:rPr lang="en-US" smtClean="0"/>
+              <a:rPr lang="en-US"/>
               <a:t>Fourth level</a:t>
             </a:r>
           </a:p>
           <a:p>
             <a:pPr lvl="4"/>
             <a:r>
-              <a:rPr lang="en-US" smtClean="0"/>
+              <a:rPr lang="en-US"/>
               <a:t>Fifth level</a:t>
             </a:r>
-            <a:endParaRPr lang="en-US"/>
           </a:p>
         </p:txBody>
       </p:sp>
@@ -763,7 +755,7 @@
           <a:p>
             <a:fld id="{A398FB1A-F8C3-427F-BE44-B87966AC4D7F}" type="datetimeFigureOut">
               <a:rPr lang="en-US" smtClean="0"/>
-              <a:t>19-Apr-22</a:t>
+              <a:t>20-Apr-22</a:t>
             </a:fld>
             <a:endParaRPr lang="en-US"/>
           </a:p>
@@ -866,10 +858,9 @@
           </a:lstStyle>
           <a:p>
             <a:r>
-              <a:rPr lang="en-US" smtClean="0"/>
+              <a:rPr lang="en-US"/>
               <a:t>Click to edit Master title style</a:t>
             </a:r>
-            <a:endParaRPr lang="en-US"/>
           </a:p>
         </p:txBody>
       </p:sp>
@@ -986,7 +977,7 @@
           <a:p>
             <a:pPr lvl="0"/>
             <a:r>
-              <a:rPr lang="en-US" smtClean="0"/>
+              <a:rPr lang="en-US"/>
               <a:t>Click to edit Master text styles</a:t>
             </a:r>
           </a:p>
@@ -1009,7 +1000,7 @@
           <a:p>
             <a:fld id="{A398FB1A-F8C3-427F-BE44-B87966AC4D7F}" type="datetimeFigureOut">
               <a:rPr lang="en-US" smtClean="0"/>
-              <a:t>19-Apr-22</a:t>
+              <a:t>20-Apr-22</a:t>
             </a:fld>
             <a:endParaRPr lang="en-US"/>
           </a:p>
@@ -1103,10 +1094,9 @@
           <a:lstStyle/>
           <a:p>
             <a:r>
-              <a:rPr lang="en-US" smtClean="0"/>
+              <a:rPr lang="en-US"/>
               <a:t>Click to edit Master title style</a:t>
             </a:r>
-            <a:endParaRPr lang="en-US"/>
           </a:p>
         </p:txBody>
       </p:sp>
@@ -1132,38 +1122,37 @@
           <a:p>
             <a:pPr lvl="0"/>
             <a:r>
-              <a:rPr lang="en-US" smtClean="0"/>
+              <a:rPr lang="en-US"/>
               <a:t>Click to edit Master text styles</a:t>
             </a:r>
           </a:p>
           <a:p>
             <a:pPr lvl="1"/>
             <a:r>
-              <a:rPr lang="en-US" smtClean="0"/>
+              <a:rPr lang="en-US"/>
               <a:t>Second level</a:t>
             </a:r>
           </a:p>
           <a:p>
             <a:pPr lvl="2"/>
             <a:r>
-              <a:rPr lang="en-US" smtClean="0"/>
+              <a:rPr lang="en-US"/>
               <a:t>Third level</a:t>
             </a:r>
           </a:p>
           <a:p>
             <a:pPr lvl="3"/>
             <a:r>
-              <a:rPr lang="en-US" smtClean="0"/>
+              <a:rPr lang="en-US"/>
               <a:t>Fourth level</a:t>
             </a:r>
           </a:p>
           <a:p>
             <a:pPr lvl="4"/>
             <a:r>
-              <a:rPr lang="en-US" smtClean="0"/>
+              <a:rPr lang="en-US"/>
               <a:t>Fifth level</a:t>
             </a:r>
-            <a:endParaRPr lang="en-US"/>
           </a:p>
         </p:txBody>
       </p:sp>
@@ -1189,38 +1178,37 @@
           <a:p>
             <a:pPr lvl="0"/>
             <a:r>
-              <a:rPr lang="en-US" smtClean="0"/>
+              <a:rPr lang="en-US"/>
               <a:t>Click to edit Master text styles</a:t>
             </a:r>
           </a:p>
           <a:p>
             <a:pPr lvl="1"/>
             <a:r>
-              <a:rPr lang="en-US" smtClean="0"/>
+              <a:rPr lang="en-US"/>
               <a:t>Second level</a:t>
             </a:r>
           </a:p>
           <a:p>
             <a:pPr lvl="2"/>
             <a:r>
-              <a:rPr lang="en-US" smtClean="0"/>
+              <a:rPr lang="en-US"/>
               <a:t>Third level</a:t>
             </a:r>
           </a:p>
           <a:p>
             <a:pPr lvl="3"/>
             <a:r>
-              <a:rPr lang="en-US" smtClean="0"/>
+              <a:rPr lang="en-US"/>
               <a:t>Fourth level</a:t>
             </a:r>
           </a:p>
           <a:p>
             <a:pPr lvl="4"/>
             <a:r>
-              <a:rPr lang="en-US" smtClean="0"/>
+              <a:rPr lang="en-US"/>
               <a:t>Fifth level</a:t>
             </a:r>
-            <a:endParaRPr lang="en-US"/>
           </a:p>
         </p:txBody>
       </p:sp>
@@ -1241,7 +1229,7 @@
           <a:p>
             <a:fld id="{A398FB1A-F8C3-427F-BE44-B87966AC4D7F}" type="datetimeFigureOut">
               <a:rPr lang="en-US" smtClean="0"/>
-              <a:t>19-Apr-22</a:t>
+              <a:t>20-Apr-22</a:t>
             </a:fld>
             <a:endParaRPr lang="en-US"/>
           </a:p>
@@ -1340,10 +1328,9 @@
           <a:lstStyle/>
           <a:p>
             <a:r>
-              <a:rPr lang="en-US" smtClean="0"/>
+              <a:rPr lang="en-US"/>
               <a:t>Click to edit Master title style</a:t>
             </a:r>
-            <a:endParaRPr lang="en-US"/>
           </a:p>
         </p:txBody>
       </p:sp>
@@ -1406,7 +1393,7 @@
           <a:p>
             <a:pPr lvl="0"/>
             <a:r>
-              <a:rPr lang="en-US" smtClean="0"/>
+              <a:rPr lang="en-US"/>
               <a:t>Click to edit Master text styles</a:t>
             </a:r>
           </a:p>
@@ -1434,38 +1421,37 @@
           <a:p>
             <a:pPr lvl="0"/>
             <a:r>
-              <a:rPr lang="en-US" smtClean="0"/>
+              <a:rPr lang="en-US"/>
               <a:t>Click to edit Master text styles</a:t>
             </a:r>
           </a:p>
           <a:p>
             <a:pPr lvl="1"/>
             <a:r>
-              <a:rPr lang="en-US" smtClean="0"/>
+              <a:rPr lang="en-US"/>
               <a:t>Second level</a:t>
             </a:r>
           </a:p>
           <a:p>
             <a:pPr lvl="2"/>
             <a:r>
-              <a:rPr lang="en-US" smtClean="0"/>
+              <a:rPr lang="en-US"/>
               <a:t>Third level</a:t>
             </a:r>
           </a:p>
           <a:p>
             <a:pPr lvl="3"/>
             <a:r>
-              <a:rPr lang="en-US" smtClean="0"/>
+              <a:rPr lang="en-US"/>
               <a:t>Fourth level</a:t>
             </a:r>
           </a:p>
           <a:p>
             <a:pPr lvl="4"/>
             <a:r>
-              <a:rPr lang="en-US" smtClean="0"/>
+              <a:rPr lang="en-US"/>
               <a:t>Fifth level</a:t>
             </a:r>
-            <a:endParaRPr lang="en-US"/>
           </a:p>
         </p:txBody>
       </p:sp>
@@ -1528,7 +1514,7 @@
           <a:p>
             <a:pPr lvl="0"/>
             <a:r>
-              <a:rPr lang="en-US" smtClean="0"/>
+              <a:rPr lang="en-US"/>
               <a:t>Click to edit Master text styles</a:t>
             </a:r>
           </a:p>
@@ -1556,38 +1542,37 @@
           <a:p>
             <a:pPr lvl="0"/>
             <a:r>
-              <a:rPr lang="en-US" smtClean="0"/>
+              <a:rPr lang="en-US"/>
               <a:t>Click to edit Master text styles</a:t>
             </a:r>
           </a:p>
           <a:p>
             <a:pPr lvl="1"/>
             <a:r>
-              <a:rPr lang="en-US" smtClean="0"/>
+              <a:rPr lang="en-US"/>
               <a:t>Second level</a:t>
             </a:r>
           </a:p>
           <a:p>
             <a:pPr lvl="2"/>
             <a:r>
-              <a:rPr lang="en-US" smtClean="0"/>
+              <a:rPr lang="en-US"/>
               <a:t>Third level</a:t>
             </a:r>
           </a:p>
           <a:p>
             <a:pPr lvl="3"/>
             <a:r>
-              <a:rPr lang="en-US" smtClean="0"/>
+              <a:rPr lang="en-US"/>
               <a:t>Fourth level</a:t>
             </a:r>
           </a:p>
           <a:p>
             <a:pPr lvl="4"/>
             <a:r>
-              <a:rPr lang="en-US" smtClean="0"/>
+              <a:rPr lang="en-US"/>
               <a:t>Fifth level</a:t>
             </a:r>
-            <a:endParaRPr lang="en-US"/>
           </a:p>
         </p:txBody>
       </p:sp>
@@ -1608,7 +1593,7 @@
           <a:p>
             <a:fld id="{A398FB1A-F8C3-427F-BE44-B87966AC4D7F}" type="datetimeFigureOut">
               <a:rPr lang="en-US" smtClean="0"/>
-              <a:t>19-Apr-22</a:t>
+              <a:t>20-Apr-22</a:t>
             </a:fld>
             <a:endParaRPr lang="en-US"/>
           </a:p>
@@ -1702,10 +1687,9 @@
           <a:lstStyle/>
           <a:p>
             <a:r>
-              <a:rPr lang="en-US" smtClean="0"/>
+              <a:rPr lang="en-US"/>
               <a:t>Click to edit Master title style</a:t>
             </a:r>
-            <a:endParaRPr lang="en-US"/>
           </a:p>
         </p:txBody>
       </p:sp>
@@ -1726,7 +1710,7 @@
           <a:p>
             <a:fld id="{A398FB1A-F8C3-427F-BE44-B87966AC4D7F}" type="datetimeFigureOut">
               <a:rPr lang="en-US" smtClean="0"/>
-              <a:t>19-Apr-22</a:t>
+              <a:t>20-Apr-22</a:t>
             </a:fld>
             <a:endParaRPr lang="en-US"/>
           </a:p>
@@ -1821,7 +1805,7 @@
           <a:p>
             <a:fld id="{A398FB1A-F8C3-427F-BE44-B87966AC4D7F}" type="datetimeFigureOut">
               <a:rPr lang="en-US" smtClean="0"/>
-              <a:t>19-Apr-22</a:t>
+              <a:t>20-Apr-22</a:t>
             </a:fld>
             <a:endParaRPr lang="en-US"/>
           </a:p>
@@ -1924,10 +1908,9 @@
           </a:lstStyle>
           <a:p>
             <a:r>
-              <a:rPr lang="en-US" smtClean="0"/>
+              <a:rPr lang="en-US"/>
               <a:t>Click to edit Master title style</a:t>
             </a:r>
-            <a:endParaRPr lang="en-US"/>
           </a:p>
         </p:txBody>
       </p:sp>
@@ -1981,38 +1964,37 @@
           <a:p>
             <a:pPr lvl="0"/>
             <a:r>
-              <a:rPr lang="en-US" smtClean="0"/>
+              <a:rPr lang="en-US"/>
               <a:t>Click to edit Master text styles</a:t>
             </a:r>
           </a:p>
           <a:p>
             <a:pPr lvl="1"/>
             <a:r>
-              <a:rPr lang="en-US" smtClean="0"/>
+              <a:rPr lang="en-US"/>
               <a:t>Second level</a:t>
             </a:r>
           </a:p>
           <a:p>
             <a:pPr lvl="2"/>
             <a:r>
-              <a:rPr lang="en-US" smtClean="0"/>
+              <a:rPr lang="en-US"/>
               <a:t>Third level</a:t>
             </a:r>
           </a:p>
           <a:p>
             <a:pPr lvl="3"/>
             <a:r>
-              <a:rPr lang="en-US" smtClean="0"/>
+              <a:rPr lang="en-US"/>
               <a:t>Fourth level</a:t>
             </a:r>
           </a:p>
           <a:p>
             <a:pPr lvl="4"/>
             <a:r>
-              <a:rPr lang="en-US" smtClean="0"/>
+              <a:rPr lang="en-US"/>
               <a:t>Fifth level</a:t>
             </a:r>
-            <a:endParaRPr lang="en-US"/>
           </a:p>
         </p:txBody>
       </p:sp>
@@ -2075,7 +2057,7 @@
           <a:p>
             <a:pPr lvl="0"/>
             <a:r>
-              <a:rPr lang="en-US" smtClean="0"/>
+              <a:rPr lang="en-US"/>
               <a:t>Click to edit Master text styles</a:t>
             </a:r>
           </a:p>
@@ -2098,7 +2080,7 @@
           <a:p>
             <a:fld id="{A398FB1A-F8C3-427F-BE44-B87966AC4D7F}" type="datetimeFigureOut">
               <a:rPr lang="en-US" smtClean="0"/>
-              <a:t>19-Apr-22</a:t>
+              <a:t>20-Apr-22</a:t>
             </a:fld>
             <a:endParaRPr lang="en-US"/>
           </a:p>
@@ -2201,10 +2183,9 @@
           </a:lstStyle>
           <a:p>
             <a:r>
-              <a:rPr lang="en-US" smtClean="0"/>
+              <a:rPr lang="en-US"/>
               <a:t>Click to edit Master title style</a:t>
             </a:r>
-            <a:endParaRPr lang="en-US"/>
           </a:p>
         </p:txBody>
       </p:sp>
@@ -2328,7 +2309,7 @@
           <a:p>
             <a:pPr lvl="0"/>
             <a:r>
-              <a:rPr lang="en-US" smtClean="0"/>
+              <a:rPr lang="en-US"/>
               <a:t>Click to edit Master text styles</a:t>
             </a:r>
           </a:p>
@@ -2351,7 +2332,7 @@
           <a:p>
             <a:fld id="{A398FB1A-F8C3-427F-BE44-B87966AC4D7F}" type="datetimeFigureOut">
               <a:rPr lang="en-US" smtClean="0"/>
-              <a:t>19-Apr-22</a:t>
+              <a:t>20-Apr-22</a:t>
             </a:fld>
             <a:endParaRPr lang="en-US"/>
           </a:p>
@@ -2460,10 +2441,9 @@
           <a:lstStyle/>
           <a:p>
             <a:r>
-              <a:rPr lang="en-US" smtClean="0"/>
+              <a:rPr lang="en-US"/>
               <a:t>Click to edit Master title style</a:t>
             </a:r>
-            <a:endParaRPr lang="en-US"/>
           </a:p>
         </p:txBody>
       </p:sp>
@@ -2494,38 +2474,37 @@
           <a:p>
             <a:pPr lvl="0"/>
             <a:r>
-              <a:rPr lang="en-US" smtClean="0"/>
+              <a:rPr lang="en-US"/>
               <a:t>Click to edit Master text styles</a:t>
             </a:r>
           </a:p>
           <a:p>
             <a:pPr lvl="1"/>
             <a:r>
-              <a:rPr lang="en-US" smtClean="0"/>
+              <a:rPr lang="en-US"/>
               <a:t>Second level</a:t>
             </a:r>
           </a:p>
           <a:p>
             <a:pPr lvl="2"/>
             <a:r>
-              <a:rPr lang="en-US" smtClean="0"/>
+              <a:rPr lang="en-US"/>
               <a:t>Third level</a:t>
             </a:r>
           </a:p>
           <a:p>
             <a:pPr lvl="3"/>
             <a:r>
-              <a:rPr lang="en-US" smtClean="0"/>
+              <a:rPr lang="en-US"/>
               <a:t>Fourth level</a:t>
             </a:r>
           </a:p>
           <a:p>
             <a:pPr lvl="4"/>
             <a:r>
-              <a:rPr lang="en-US" smtClean="0"/>
+              <a:rPr lang="en-US"/>
               <a:t>Fifth level</a:t>
             </a:r>
-            <a:endParaRPr lang="en-US"/>
           </a:p>
         </p:txBody>
       </p:sp>
@@ -2564,7 +2543,7 @@
           <a:p>
             <a:fld id="{A398FB1A-F8C3-427F-BE44-B87966AC4D7F}" type="datetimeFigureOut">
               <a:rPr lang="en-US" smtClean="0"/>
-              <a:t>19-Apr-22</a:t>
+              <a:t>20-Apr-22</a:t>
             </a:fld>
             <a:endParaRPr lang="en-US"/>
           </a:p>
@@ -3007,7 +2986,7 @@
         <p:spPr>
           <a:xfrm>
             <a:off x="7064346" y="129474"/>
-            <a:ext cx="5010602" cy="6740307"/>
+            <a:ext cx="5099153" cy="6740307"/>
           </a:xfrm>
           <a:prstGeom prst="rect">
             <a:avLst/>
@@ -3021,269 +3000,173 @@
           <a:lstStyle/>
           <a:p>
             <a:r>
-              <a:rPr lang="en-US" dirty="0" smtClean="0"/>
+              <a:rPr lang="en-US" dirty="0"/>
               <a:t>Arduino Leonardo FFB wheel fw-v18x pinout:</a:t>
             </a:r>
           </a:p>
           <a:p>
-            <a:endParaRPr lang="en-US" dirty="0" smtClean="0"/>
-          </a:p>
-          <a:p>
-            <a:r>
-              <a:rPr lang="en-US" dirty="0" smtClean="0"/>
+            <a:endParaRPr lang="en-US" dirty="0"/>
+          </a:p>
+          <a:p>
+            <a:r>
+              <a:rPr lang="en-US" dirty="0"/>
               <a:t>GND - common ground</a:t>
             </a:r>
           </a:p>
           <a:p>
             <a:r>
-              <a:rPr lang="en-US" dirty="0" smtClean="0"/>
+              <a:rPr lang="en-US" dirty="0"/>
               <a:t>5V - </a:t>
             </a:r>
             <a:r>
-              <a:rPr lang="en-US" dirty="0" err="1" smtClean="0"/>
+              <a:rPr lang="en-US" dirty="0" err="1"/>
               <a:t>Vcc</a:t>
             </a:r>
             <a:r>
-              <a:rPr lang="en-US" dirty="0" smtClean="0"/>
+              <a:rPr lang="en-US" dirty="0"/>
               <a:t> for all devices</a:t>
             </a:r>
           </a:p>
           <a:p>
             <a:r>
-              <a:rPr lang="en-US" dirty="0" smtClean="0"/>
+              <a:rPr lang="en-US" dirty="0"/>
               <a:t>A0 - throttle pot</a:t>
             </a:r>
           </a:p>
           <a:p>
             <a:r>
-              <a:rPr lang="en-US" dirty="0" smtClean="0"/>
-              <a:t>A1 - brake pot </a:t>
-            </a:r>
-            <a:r>
-              <a:rPr lang="en-US" dirty="0"/>
-              <a:t>(if </a:t>
-            </a:r>
-            <a:r>
-              <a:rPr lang="en-US" dirty="0" smtClean="0"/>
-              <a:t>LC* </a:t>
-            </a:r>
-            <a:r>
-              <a:rPr lang="en-US" dirty="0"/>
-              <a:t>- then clutch pot</a:t>
-            </a:r>
-            <a:r>
-              <a:rPr lang="en-US" dirty="0" smtClean="0"/>
-              <a:t>)</a:t>
-            </a:r>
-          </a:p>
-          <a:p>
-            <a:r>
-              <a:rPr lang="en-US" dirty="0" smtClean="0"/>
-              <a:t>A2 - clutch </a:t>
-            </a:r>
-            <a:r>
-              <a:rPr lang="en-US" dirty="0"/>
-              <a:t>pot (if </a:t>
-            </a:r>
-            <a:r>
-              <a:rPr lang="en-US" dirty="0" smtClean="0"/>
-              <a:t>LC* </a:t>
-            </a:r>
-            <a:r>
-              <a:rPr lang="en-US" dirty="0"/>
-              <a:t>- then </a:t>
-            </a:r>
-            <a:r>
-              <a:rPr lang="en-US" dirty="0" smtClean="0"/>
-              <a:t>handbrake </a:t>
-            </a:r>
-            <a:r>
-              <a:rPr lang="en-US" dirty="0"/>
-              <a:t>pot</a:t>
-            </a:r>
-            <a:r>
-              <a:rPr lang="en-US" dirty="0" smtClean="0"/>
-              <a:t>)</a:t>
-            </a:r>
-          </a:p>
-          <a:p>
-            <a:r>
-              <a:rPr lang="en-US" dirty="0" smtClean="0"/>
+              <a:rPr lang="en-US" dirty="0"/>
+              <a:t>A1 - brake pot (if LC* - then clutch pot)</a:t>
+            </a:r>
+          </a:p>
+          <a:p>
+            <a:r>
+              <a:rPr lang="en-US" dirty="0"/>
+              <a:t>A2 - clutch pot (if LC* - then handbrake pot)</a:t>
+            </a:r>
+          </a:p>
+          <a:p>
+            <a:r>
+              <a:rPr lang="en-US" dirty="0"/>
               <a:t>A3 - handbrake pot (if LC* - then button0)</a:t>
             </a:r>
           </a:p>
           <a:p>
             <a:r>
-              <a:rPr lang="en-US" dirty="0" smtClean="0"/>
+              <a:rPr lang="en-US" dirty="0"/>
               <a:t>A4, A5 - buttons 1,2 (fw-v180 only)</a:t>
             </a:r>
           </a:p>
           <a:p>
             <a:r>
-              <a:rPr lang="en-US" dirty="0" smtClean="0"/>
+              <a:rPr lang="en-US" dirty="0"/>
               <a:t>RX - channel A encoder</a:t>
             </a:r>
           </a:p>
           <a:p>
             <a:r>
-              <a:rPr lang="en-US" dirty="0" smtClean="0"/>
+              <a:rPr lang="en-US" dirty="0"/>
               <a:t>TX - channel B encoder</a:t>
             </a:r>
           </a:p>
           <a:p>
             <a:r>
-              <a:rPr lang="en-US" dirty="0" smtClean="0"/>
-              <a:t>2 - channel </a:t>
-            </a:r>
-            <a:r>
-              <a:rPr lang="en-US" dirty="0"/>
-              <a:t>Z </a:t>
-            </a:r>
-            <a:r>
-              <a:rPr lang="en-US" dirty="0" smtClean="0"/>
-              <a:t>encoder or SDA (data) for i2C ads1105</a:t>
-            </a:r>
-          </a:p>
-          <a:p>
-            <a:r>
-              <a:rPr lang="en-US" dirty="0" smtClean="0"/>
-              <a:t>3 - SCL (clock) for i2C </a:t>
-            </a:r>
-            <a:r>
-              <a:rPr lang="en-US" dirty="0"/>
-              <a:t>ads1105 (</a:t>
-            </a:r>
-            <a:r>
-              <a:rPr lang="en-US" dirty="0" smtClean="0"/>
-              <a:t>fw-v18xs)</a:t>
-            </a:r>
-          </a:p>
-          <a:p>
-            <a:r>
-              <a:rPr lang="en-US" dirty="0" smtClean="0"/>
-              <a:t>4 - DT pin for HX711 (fw-v182 only)</a:t>
-            </a:r>
-          </a:p>
-          <a:p>
-            <a:r>
-              <a:rPr lang="en-US" dirty="0" smtClean="0"/>
-              <a:t>5 - CLK pin for HX711 </a:t>
-            </a:r>
-            <a:r>
-              <a:rPr lang="en-US" dirty="0"/>
-              <a:t>(</a:t>
-            </a:r>
-            <a:r>
-              <a:rPr lang="en-US" dirty="0" smtClean="0"/>
-              <a:t>fw-v182 only)</a:t>
-            </a:r>
-          </a:p>
-          <a:p>
-            <a:r>
-              <a:rPr lang="en-US" dirty="0" smtClean="0"/>
+              <a:rPr lang="en-US" dirty="0"/>
+              <a:t>2 - channel Z encoder or SDA (data) for i2C ads1015</a:t>
+            </a:r>
+          </a:p>
+          <a:p>
+            <a:r>
+              <a:rPr lang="en-US" dirty="0"/>
+              <a:t>3 - SCL (clock) for i2C ads1015 (fw-v18xs)</a:t>
+            </a:r>
+          </a:p>
+          <a:p>
+            <a:r>
+              <a:rPr lang="en-US" dirty="0"/>
+              <a:t>4 - DT pin for HX711 (</a:t>
+            </a:r>
+            <a:r>
+              <a:rPr lang="en-US"/>
+              <a:t>fw-v182 only) or button0</a:t>
+            </a:r>
+            <a:endParaRPr lang="en-US" dirty="0"/>
+          </a:p>
+          <a:p>
+            <a:r>
+              <a:rPr lang="en-US" dirty="0"/>
+              <a:t>5 - CLK pin for HX711 (fw-v182 only)</a:t>
+            </a:r>
+          </a:p>
+          <a:p>
+            <a:r>
+              <a:rPr lang="en-US" dirty="0"/>
               <a:t>6 - </a:t>
             </a:r>
             <a:r>
-              <a:rPr lang="en-US" dirty="0" err="1" smtClean="0"/>
+              <a:rPr lang="en-US" dirty="0" err="1"/>
               <a:t>DT_sh</a:t>
             </a:r>
             <a:r>
-              <a:rPr lang="en-US" dirty="0" smtClean="0"/>
-              <a:t> (fw-v181, or </a:t>
-            </a:r>
-            <a:r>
-              <a:rPr lang="en-US" dirty="0"/>
-              <a:t>button4 </a:t>
-            </a:r>
-            <a:r>
-              <a:rPr lang="en-US" dirty="0" smtClean="0"/>
-              <a:t>in fw-v180</a:t>
-            </a:r>
-            <a:r>
-              <a:rPr lang="en-US" dirty="0"/>
-              <a:t>)</a:t>
-            </a:r>
-            <a:endParaRPr lang="en-US" dirty="0" smtClean="0"/>
-          </a:p>
-          <a:p>
-            <a:r>
-              <a:rPr lang="en-US" dirty="0" smtClean="0"/>
+              <a:rPr lang="en-US" dirty="0"/>
+              <a:t> (fw-v181, or button4 in fw-v180)</a:t>
+            </a:r>
+          </a:p>
+          <a:p>
+            <a:r>
+              <a:rPr lang="en-US" dirty="0"/>
               <a:t>7 - </a:t>
             </a:r>
             <a:r>
-              <a:rPr lang="en-US" dirty="0" err="1" smtClean="0"/>
+              <a:rPr lang="en-US" dirty="0" err="1"/>
               <a:t>CLK_sh</a:t>
             </a:r>
             <a:r>
               <a:rPr lang="en-US" dirty="0"/>
-              <a:t> (fw-v181, or </a:t>
-            </a:r>
-            <a:r>
-              <a:rPr lang="en-US" dirty="0" smtClean="0"/>
-              <a:t>button5 </a:t>
-            </a:r>
-            <a:r>
-              <a:rPr lang="en-US" dirty="0" smtClean="0"/>
-              <a:t>in fw-v180</a:t>
-            </a:r>
-            <a:r>
-              <a:rPr lang="en-US" dirty="0"/>
-              <a:t>)</a:t>
-            </a:r>
-          </a:p>
-          <a:p>
-            <a:r>
-              <a:rPr lang="en-US" dirty="0" smtClean="0"/>
+              <a:t> (fw-v181, or button5 in fw-v180)</a:t>
+            </a:r>
+          </a:p>
+          <a:p>
+            <a:r>
+              <a:rPr lang="en-US" dirty="0"/>
               <a:t>8 - </a:t>
             </a:r>
             <a:r>
-              <a:rPr lang="en-US" dirty="0" err="1" smtClean="0"/>
+              <a:rPr lang="en-US" dirty="0" err="1"/>
               <a:t>PL_sh</a:t>
             </a:r>
             <a:r>
               <a:rPr lang="en-US" dirty="0"/>
-              <a:t> (fw-v181, or </a:t>
-            </a:r>
-            <a:r>
-              <a:rPr lang="en-US" dirty="0" smtClean="0"/>
-              <a:t>button6 </a:t>
-            </a:r>
-            <a:r>
-              <a:rPr lang="en-US" dirty="0" smtClean="0"/>
-              <a:t>in fw-v180</a:t>
-            </a:r>
-            <a:r>
-              <a:rPr lang="en-US" dirty="0"/>
-              <a:t>)</a:t>
-            </a:r>
-          </a:p>
-          <a:p>
-            <a:r>
-              <a:rPr lang="en-US" dirty="0" smtClean="0"/>
+              <a:t> (fw-v181, or button6 in fw-v180)</a:t>
+            </a:r>
+          </a:p>
+          <a:p>
+            <a:r>
+              <a:rPr lang="en-US" dirty="0"/>
               <a:t>9 - left PWM channel</a:t>
             </a:r>
           </a:p>
           <a:p>
             <a:r>
-              <a:rPr lang="en-US" dirty="0" smtClean="0"/>
+              <a:rPr lang="en-US" dirty="0"/>
               <a:t>10 - right PWM channel</a:t>
             </a:r>
           </a:p>
           <a:p>
             <a:r>
-              <a:rPr lang="en-US" dirty="0" smtClean="0"/>
+              <a:rPr lang="en-US" dirty="0"/>
               <a:t>11 - PWM direction pin</a:t>
             </a:r>
           </a:p>
           <a:p>
             <a:r>
-              <a:rPr lang="en-US" dirty="0" smtClean="0"/>
+              <a:rPr lang="en-US" dirty="0"/>
               <a:t>12 - button3</a:t>
             </a:r>
           </a:p>
           <a:p>
             <a:r>
-              <a:rPr lang="en-US" dirty="0" smtClean="0"/>
+              <a:rPr lang="en-US" dirty="0"/>
               <a:t>13 - FFB clipping LED</a:t>
             </a:r>
           </a:p>
@@ -3344,10 +3227,9 @@
           <a:lstStyle/>
           <a:p>
             <a:r>
-              <a:rPr lang="en-US" dirty="0" smtClean="0"/>
+              <a:rPr lang="en-US" dirty="0"/>
               <a:t>Arduino Leonardo or Micro</a:t>
             </a:r>
-            <a:endParaRPr lang="en-US" dirty="0"/>
           </a:p>
         </p:txBody>
       </p:sp>
@@ -3374,11 +3256,11 @@
           <a:lstStyle/>
           <a:p>
             <a:r>
-              <a:rPr lang="en-US" dirty="0" smtClean="0"/>
+              <a:rPr lang="en-US" dirty="0"/>
               <a:t>Arduino </a:t>
             </a:r>
             <a:r>
-              <a:rPr lang="en-US" dirty="0" err="1" smtClean="0"/>
+              <a:rPr lang="en-US" dirty="0" err="1"/>
               <a:t>ProMicro</a:t>
             </a:r>
             <a:endParaRPr lang="en-US" dirty="0"/>
@@ -3408,73 +3290,56 @@
           <a:lstStyle/>
           <a:p>
             <a:r>
-              <a:rPr lang="en-US" dirty="0" smtClean="0"/>
+              <a:rPr lang="en-US" dirty="0"/>
               <a:t>Replacement pinouts for </a:t>
             </a:r>
             <a:r>
-              <a:rPr lang="en-US" dirty="0" err="1" smtClean="0"/>
+              <a:rPr lang="en-US" dirty="0" err="1"/>
               <a:t>ProMicro</a:t>
             </a:r>
             <a:r>
-              <a:rPr lang="en-US" dirty="0" smtClean="0"/>
+              <a:rPr lang="en-US" dirty="0"/>
               <a:t>:</a:t>
             </a:r>
           </a:p>
           <a:p>
-            <a:endParaRPr lang="en-US" dirty="0" smtClean="0"/>
-          </a:p>
-          <a:p>
-            <a:r>
-              <a:rPr lang="en-US" dirty="0" smtClean="0"/>
+            <a:endParaRPr lang="en-US" dirty="0"/>
+          </a:p>
+          <a:p>
+            <a:r>
+              <a:rPr lang="en-US" dirty="0"/>
               <a:t>16 - PWM direction pin</a:t>
             </a:r>
           </a:p>
           <a:p>
             <a:r>
-              <a:rPr lang="en-US" dirty="0" smtClean="0"/>
-              <a:t>  3 - </a:t>
-            </a:r>
-            <a:r>
-              <a:rPr lang="en-US" dirty="0"/>
-              <a:t>FFB </a:t>
-            </a:r>
-            <a:r>
-              <a:rPr lang="en-US" dirty="0" smtClean="0"/>
-              <a:t>clipping LED</a:t>
-            </a:r>
-          </a:p>
-          <a:p>
-            <a:r>
-              <a:rPr lang="en-US" dirty="0" smtClean="0"/>
-              <a:t>14 - button1 </a:t>
-            </a:r>
-            <a:r>
-              <a:rPr lang="en-US" dirty="0"/>
-              <a:t>(</a:t>
-            </a:r>
-            <a:r>
-              <a:rPr lang="en-US" dirty="0" smtClean="0"/>
-              <a:t>fw-v180m)</a:t>
-            </a:r>
-          </a:p>
-          <a:p>
-            <a:r>
-              <a:rPr lang="en-US" dirty="0" smtClean="0"/>
+              <a:rPr lang="en-US" dirty="0"/>
+              <a:t>  3 - FFB clipping LED</a:t>
+            </a:r>
+          </a:p>
+          <a:p>
+            <a:r>
+              <a:rPr lang="en-US" dirty="0"/>
+              <a:t>14 - button1 (fw-v180m)</a:t>
+            </a:r>
+          </a:p>
+          <a:p>
+            <a:r>
+              <a:rPr lang="en-US" dirty="0"/>
               <a:t>15 - button2 (fw-v180m)</a:t>
             </a:r>
           </a:p>
           <a:p>
             <a:r>
-              <a:rPr lang="en-US" dirty="0" smtClean="0"/>
+              <a:rPr lang="en-US" dirty="0"/>
               <a:t>  2 - button3 (fw-v180m)</a:t>
             </a:r>
           </a:p>
           <a:p>
             <a:r>
-              <a:rPr lang="en-US" dirty="0" smtClean="0"/>
+              <a:rPr lang="en-US" dirty="0"/>
               <a:t>       or Z-index encoder (fw-v180zm)</a:t>
             </a:r>
-            <a:endParaRPr lang="en-US" dirty="0"/>
           </a:p>
         </p:txBody>
       </p:sp>
@@ -3501,36 +3366,36 @@
           <a:lstStyle/>
           <a:p>
             <a:r>
-              <a:rPr lang="en-US" dirty="0" smtClean="0"/>
+              <a:rPr lang="en-US" dirty="0"/>
               <a:t>Hat Switch </a:t>
             </a:r>
             <a:r>
-              <a:rPr lang="en-US" smtClean="0"/>
+              <a:rPr lang="en-US"/>
               <a:t>(fw-v18xh):</a:t>
             </a:r>
-            <a:endParaRPr lang="en-US" dirty="0" smtClean="0"/>
-          </a:p>
-          <a:p>
-            <a:r>
-              <a:rPr lang="en-US" dirty="0" smtClean="0"/>
+            <a:endParaRPr lang="en-US" dirty="0"/>
+          </a:p>
+          <a:p>
+            <a:r>
+              <a:rPr lang="en-US" dirty="0"/>
               <a:t>Button0 - up</a:t>
             </a:r>
           </a:p>
           <a:p>
             <a:r>
-              <a:rPr lang="en-US" dirty="0" smtClean="0"/>
+              <a:rPr lang="en-US" dirty="0"/>
               <a:t>Button1 - right</a:t>
             </a:r>
           </a:p>
           <a:p>
             <a:r>
-              <a:rPr lang="en-US" dirty="0" smtClean="0"/>
+              <a:rPr lang="en-US" dirty="0"/>
               <a:t>Button2 - down</a:t>
             </a:r>
           </a:p>
           <a:p>
             <a:r>
-              <a:rPr lang="en-US" dirty="0" smtClean="0"/>
+              <a:rPr lang="en-US" dirty="0"/>
               <a:t>Button3 - left</a:t>
             </a:r>
           </a:p>
@@ -3559,16 +3424,15 @@
           <a:lstStyle/>
           <a:p>
             <a:r>
-              <a:rPr lang="en-US" sz="1400" i="1" dirty="0" smtClean="0"/>
+              <a:rPr lang="en-US" sz="1400" i="1" dirty="0"/>
               <a:t>To activate buttons</a:t>
             </a:r>
           </a:p>
           <a:p>
             <a:r>
-              <a:rPr lang="en-US" sz="1400" i="1" dirty="0" smtClean="0"/>
+              <a:rPr lang="en-US" sz="1400" i="1" dirty="0"/>
               <a:t>short them to gnd.</a:t>
             </a:r>
-            <a:endParaRPr lang="en-US" sz="1400" i="1" dirty="0"/>
           </a:p>
         </p:txBody>
       </p:sp>
@@ -3595,10 +3459,9 @@
           <a:lstStyle/>
           <a:p>
             <a:r>
-              <a:rPr lang="en-US" sz="1400" i="1" dirty="0" smtClean="0"/>
+              <a:rPr lang="en-US" sz="1400" i="1" dirty="0"/>
               <a:t>x=0, 1, 2, 3</a:t>
             </a:r>
-            <a:endParaRPr lang="en-US" sz="1400" i="1" dirty="0"/>
           </a:p>
         </p:txBody>
       </p:sp>
@@ -3625,14 +3488,13 @@
           <a:lstStyle/>
           <a:p>
             <a:r>
-              <a:rPr lang="en-US" sz="1400" i="1" dirty="0" err="1" smtClean="0"/>
+              <a:rPr lang="en-US" sz="1400" i="1" dirty="0" err="1"/>
               <a:t>sh</a:t>
             </a:r>
             <a:r>
-              <a:rPr lang="en-US" sz="1400" i="1" dirty="0" smtClean="0"/>
+              <a:rPr lang="en-US" sz="1400" i="1" dirty="0"/>
               <a:t> - shift register for button box</a:t>
             </a:r>
-            <a:endParaRPr lang="en-US" sz="1400" i="1" dirty="0"/>
           </a:p>
         </p:txBody>
       </p:sp>
@@ -3659,18 +3521,9 @@
           <a:lstStyle/>
           <a:p>
             <a:r>
-              <a:rPr lang="en-US" sz="1400" i="1" dirty="0" smtClean="0"/>
-              <a:t>*LC - load cell </a:t>
-            </a:r>
-            <a:r>
               <a:rPr lang="en-US" sz="1400" i="1" dirty="0"/>
-              <a:t>with HX711 (fw-v182</a:t>
-            </a:r>
-            <a:r>
-              <a:rPr lang="en-US" sz="1400" i="1" dirty="0" smtClean="0"/>
-              <a:t>)</a:t>
-            </a:r>
-            <a:endParaRPr lang="en-US" sz="1400" i="1" dirty="0"/>
+              <a:t>*LC - load cell with HX711 (fw-v182)</a:t>
+            </a:r>
           </a:p>
         </p:txBody>
       </p:sp>

--- a/brWheel_my/Firmware-v18x pinout.pptx
+++ b/brWheel_my/Firmware-v18x pinout.pptx
@@ -241,7 +241,7 @@
           <a:p>
             <a:fld id="{A398FB1A-F8C3-427F-BE44-B87966AC4D7F}" type="datetimeFigureOut">
               <a:rPr lang="en-US" smtClean="0"/>
-              <a:t>20-Apr-22</a:t>
+              <a:t>03-Jun-22</a:t>
             </a:fld>
             <a:endParaRPr lang="en-US"/>
           </a:p>
@@ -409,7 +409,7 @@
           <a:p>
             <a:fld id="{A398FB1A-F8C3-427F-BE44-B87966AC4D7F}" type="datetimeFigureOut">
               <a:rPr lang="en-US" smtClean="0"/>
-              <a:t>20-Apr-22</a:t>
+              <a:t>03-Jun-22</a:t>
             </a:fld>
             <a:endParaRPr lang="en-US"/>
           </a:p>
@@ -587,7 +587,7 @@
           <a:p>
             <a:fld id="{A398FB1A-F8C3-427F-BE44-B87966AC4D7F}" type="datetimeFigureOut">
               <a:rPr lang="en-US" smtClean="0"/>
-              <a:t>20-Apr-22</a:t>
+              <a:t>03-Jun-22</a:t>
             </a:fld>
             <a:endParaRPr lang="en-US"/>
           </a:p>
@@ -755,7 +755,7 @@
           <a:p>
             <a:fld id="{A398FB1A-F8C3-427F-BE44-B87966AC4D7F}" type="datetimeFigureOut">
               <a:rPr lang="en-US" smtClean="0"/>
-              <a:t>20-Apr-22</a:t>
+              <a:t>03-Jun-22</a:t>
             </a:fld>
             <a:endParaRPr lang="en-US"/>
           </a:p>
@@ -1000,7 +1000,7 @@
           <a:p>
             <a:fld id="{A398FB1A-F8C3-427F-BE44-B87966AC4D7F}" type="datetimeFigureOut">
               <a:rPr lang="en-US" smtClean="0"/>
-              <a:t>20-Apr-22</a:t>
+              <a:t>03-Jun-22</a:t>
             </a:fld>
             <a:endParaRPr lang="en-US"/>
           </a:p>
@@ -1229,7 +1229,7 @@
           <a:p>
             <a:fld id="{A398FB1A-F8C3-427F-BE44-B87966AC4D7F}" type="datetimeFigureOut">
               <a:rPr lang="en-US" smtClean="0"/>
-              <a:t>20-Apr-22</a:t>
+              <a:t>03-Jun-22</a:t>
             </a:fld>
             <a:endParaRPr lang="en-US"/>
           </a:p>
@@ -1593,7 +1593,7 @@
           <a:p>
             <a:fld id="{A398FB1A-F8C3-427F-BE44-B87966AC4D7F}" type="datetimeFigureOut">
               <a:rPr lang="en-US" smtClean="0"/>
-              <a:t>20-Apr-22</a:t>
+              <a:t>03-Jun-22</a:t>
             </a:fld>
             <a:endParaRPr lang="en-US"/>
           </a:p>
@@ -1710,7 +1710,7 @@
           <a:p>
             <a:fld id="{A398FB1A-F8C3-427F-BE44-B87966AC4D7F}" type="datetimeFigureOut">
               <a:rPr lang="en-US" smtClean="0"/>
-              <a:t>20-Apr-22</a:t>
+              <a:t>03-Jun-22</a:t>
             </a:fld>
             <a:endParaRPr lang="en-US"/>
           </a:p>
@@ -1805,7 +1805,7 @@
           <a:p>
             <a:fld id="{A398FB1A-F8C3-427F-BE44-B87966AC4D7F}" type="datetimeFigureOut">
               <a:rPr lang="en-US" smtClean="0"/>
-              <a:t>20-Apr-22</a:t>
+              <a:t>03-Jun-22</a:t>
             </a:fld>
             <a:endParaRPr lang="en-US"/>
           </a:p>
@@ -2080,7 +2080,7 @@
           <a:p>
             <a:fld id="{A398FB1A-F8C3-427F-BE44-B87966AC4D7F}" type="datetimeFigureOut">
               <a:rPr lang="en-US" smtClean="0"/>
-              <a:t>20-Apr-22</a:t>
+              <a:t>03-Jun-22</a:t>
             </a:fld>
             <a:endParaRPr lang="en-US"/>
           </a:p>
@@ -2332,7 +2332,7 @@
           <a:p>
             <a:fld id="{A398FB1A-F8C3-427F-BE44-B87966AC4D7F}" type="datetimeFigureOut">
               <a:rPr lang="en-US" smtClean="0"/>
-              <a:t>20-Apr-22</a:t>
+              <a:t>03-Jun-22</a:t>
             </a:fld>
             <a:endParaRPr lang="en-US"/>
           </a:p>
@@ -2543,7 +2543,7 @@
           <a:p>
             <a:fld id="{A398FB1A-F8C3-427F-BE44-B87966AC4D7F}" type="datetimeFigureOut">
               <a:rPr lang="en-US" smtClean="0"/>
-              <a:t>20-Apr-22</a:t>
+              <a:t>03-Jun-22</a:t>
             </a:fld>
             <a:endParaRPr lang="en-US"/>
           </a:p>
@@ -2985,8 +2985,8 @@
         </p:nvSpPr>
         <p:spPr>
           <a:xfrm>
-            <a:off x="7064346" y="129474"/>
-            <a:ext cx="5099153" cy="6740307"/>
+            <a:off x="6975334" y="105198"/>
+            <a:ext cx="5327741" cy="6740307"/>
           </a:xfrm>
           <a:prstGeom prst="rect">
             <a:avLst/>
@@ -3087,21 +3087,40 @@
               <a:t>4 - DT pin for HX711 (</a:t>
             </a:r>
             <a:r>
-              <a:rPr lang="en-US"/>
-              <a:t>fw-v182 only) or button0</a:t>
-            </a:r>
-            <a:endParaRPr lang="en-US" dirty="0"/>
-          </a:p>
-          <a:p>
-            <a:r>
-              <a:rPr lang="en-US" dirty="0"/>
-              <a:t>5 - CLK pin for HX711 (fw-v182 only)</a:t>
-            </a:r>
-          </a:p>
-          <a:p>
-            <a:r>
-              <a:rPr lang="en-US" dirty="0"/>
-              <a:t>6 - </a:t>
+              <a:rPr lang="en-US" dirty="0" smtClean="0"/>
+              <a:t>fw-v182, or button0 in fw-v180)</a:t>
+            </a:r>
+          </a:p>
+          <a:p>
+            <a:r>
+              <a:rPr lang="en-US" dirty="0" smtClean="0"/>
+              <a:t>5 - CLK pin for HX711 (</a:t>
+            </a:r>
+            <a:r>
+              <a:rPr lang="en-US" dirty="0" smtClean="0"/>
+              <a:t>fw-v182, </a:t>
+            </a:r>
+            <a:r>
+              <a:rPr lang="en-US" dirty="0"/>
+              <a:t>or </a:t>
+            </a:r>
+            <a:r>
+              <a:rPr lang="en-US" dirty="0" smtClean="0"/>
+              <a:t>button7 </a:t>
+            </a:r>
+            <a:r>
+              <a:rPr lang="en-US" dirty="0"/>
+              <a:t>in fw-v180)</a:t>
+            </a:r>
+          </a:p>
+          <a:p>
+            <a:r>
+              <a:rPr lang="en-US" dirty="0" smtClean="0"/>
+              <a:t>6 </a:t>
+            </a:r>
+            <a:r>
+              <a:rPr lang="en-US" dirty="0"/>
+              <a:t>- </a:t>
             </a:r>
             <a:r>
               <a:rPr lang="en-US" dirty="0" err="1"/>
@@ -3409,8 +3428,8 @@
         </p:nvSpPr>
         <p:spPr>
           <a:xfrm>
-            <a:off x="10472601" y="2380439"/>
-            <a:ext cx="1575239" cy="523220"/>
+            <a:off x="10472601" y="2348071"/>
+            <a:ext cx="1675139" cy="738664"/>
           </a:xfrm>
           <a:prstGeom prst="rect">
             <a:avLst/>
@@ -3431,8 +3450,31 @@
           <a:p>
             <a:r>
               <a:rPr lang="en-US" sz="1400" i="1" dirty="0"/>
-              <a:t>short them to gnd.</a:t>
-            </a:r>
+              <a:t>short them to </a:t>
+            </a:r>
+            <a:r>
+              <a:rPr lang="en-US" sz="1400" i="1" dirty="0" err="1" smtClean="0"/>
+              <a:t>gnd</a:t>
+            </a:r>
+            <a:r>
+              <a:rPr lang="en-US" sz="1400" i="1" dirty="0" smtClean="0"/>
+              <a:t>,</a:t>
+            </a:r>
+          </a:p>
+          <a:p>
+            <a:r>
+              <a:rPr lang="en-US" sz="1400" i="1" dirty="0" smtClean="0"/>
+              <a:t>unless </a:t>
+            </a:r>
+            <a:r>
+              <a:rPr lang="en-US" sz="1400" i="1" dirty="0" err="1" smtClean="0"/>
+              <a:t>fw</a:t>
+            </a:r>
+            <a:r>
+              <a:rPr lang="en-US" sz="1400" i="1" dirty="0" smtClean="0"/>
+              <a:t> “t” option</a:t>
+            </a:r>
+            <a:endParaRPr lang="en-US" sz="1400" i="1" dirty="0"/>
           </a:p>
         </p:txBody>
       </p:sp>
